--- a/Univariate Model 2.pptx
+++ b/Univariate Model 2.pptx
@@ -197,7 +197,7 @@
           <a:p>
             <a:fld id="{006A9EEE-227D-46E8-BC65-23F4547991CF}" type="datetimeFigureOut">
               <a:rPr lang="en-US" smtClean="0"/>
-              <a:t>9/4/2025</a:t>
+              <a:t>9/16/2025</a:t>
             </a:fld>
             <a:endParaRPr lang="en-US"/>
           </a:p>
@@ -687,7 +687,7 @@
             <a:fld id="{1D8BD707-D9CF-40AE-B4C6-C98DA3205C09}" type="datetimeFigureOut">
               <a:rPr lang="en-US"/>
               <a:pPr/>
-              <a:t>9/4/2025</a:t>
+              <a:t>9/16/2025</a:t>
             </a:fld>
             <a:endParaRPr lang="en-US"/>
           </a:p>
@@ -883,7 +883,7 @@
             <a:fld id="{1D8BD707-D9CF-40AE-B4C6-C98DA3205C09}" type="datetimeFigureOut">
               <a:rPr lang="en-US"/>
               <a:pPr/>
-              <a:t>9/4/2025</a:t>
+              <a:t>9/16/2025</a:t>
             </a:fld>
             <a:endParaRPr lang="en-US"/>
           </a:p>
@@ -1111,7 +1111,7 @@
             <a:fld id="{1D8BD707-D9CF-40AE-B4C6-C98DA3205C09}" type="datetimeFigureOut">
               <a:rPr lang="en-US"/>
               <a:pPr/>
-              <a:t>9/4/2025</a:t>
+              <a:t>9/16/2025</a:t>
             </a:fld>
             <a:endParaRPr lang="en-US"/>
           </a:p>
@@ -1273,7 +1273,7 @@
             <a:fld id="{1D8BD707-D9CF-40AE-B4C6-C98DA3205C09}" type="datetimeFigureOut">
               <a:rPr lang="en-US"/>
               <a:pPr/>
-              <a:t>9/4/2025</a:t>
+              <a:t>9/16/2025</a:t>
             </a:fld>
             <a:endParaRPr lang="en-US"/>
           </a:p>
@@ -1401,7 +1401,7 @@
             <a:fld id="{1D8BD707-D9CF-40AE-B4C6-C98DA3205C09}" type="datetimeFigureOut">
               <a:rPr lang="en-US"/>
               <a:pPr/>
-              <a:t>9/4/2025</a:t>
+              <a:t>9/16/2025</a:t>
             </a:fld>
             <a:endParaRPr lang="en-US"/>
           </a:p>
@@ -1635,7 +1635,7 @@
             <a:fld id="{1D8BD707-D9CF-40AE-B4C6-C98DA3205C09}" type="datetimeFigureOut">
               <a:rPr lang="en-US"/>
               <a:pPr/>
-              <a:t>9/4/2025</a:t>
+              <a:t>9/16/2025</a:t>
             </a:fld>
             <a:endParaRPr lang="en-US"/>
           </a:p>
@@ -1910,7 +1910,7 @@
         <p:spPr>
           <a:xfrm>
             <a:off x="3317339" y="4141131"/>
-            <a:ext cx="577605" cy="369332"/>
+            <a:ext cx="1356016" cy="369332"/>
           </a:xfrm>
           <a:prstGeom prst="rect">
             <a:avLst/>
@@ -2035,7 +2035,7 @@
         <p:spPr>
           <a:xfrm>
             <a:off x="481868" y="2110501"/>
-            <a:ext cx="1117657" cy="369332"/>
+            <a:ext cx="1786131" cy="369332"/>
           </a:xfrm>
           <a:prstGeom prst="rect">
             <a:avLst/>
@@ -2111,9 +2111,17 @@
           <a:lstStyle/>
           <a:p>
             <a:pPr algn="ctr"/>
+            <a:endParaRPr lang="en-US" dirty="0"/>
+          </a:p>
+          <a:p>
+            <a:pPr algn="ctr"/>
+            <a:endParaRPr lang="en-US" dirty="0"/>
+          </a:p>
+          <a:p>
+            <a:pPr algn="ctr"/>
             <a:r>
               <a:rPr lang="en-US" dirty="0"/>
-              <a:t>Construct Name     Time 0 </a:t>
+              <a:t>Time 0 </a:t>
             </a:r>
             <a:endParaRPr lang="en-US" baseline="30000" dirty="0"/>
           </a:p>
@@ -2159,9 +2167,17 @@
           <a:lstStyle/>
           <a:p>
             <a:pPr algn="ctr"/>
+            <a:endParaRPr lang="en-US" dirty="0"/>
+          </a:p>
+          <a:p>
+            <a:pPr algn="ctr"/>
+            <a:endParaRPr lang="en-US" dirty="0"/>
+          </a:p>
+          <a:p>
+            <a:pPr algn="ctr"/>
             <a:r>
               <a:rPr lang="en-US" dirty="0"/>
-              <a:t>Construct Name     Slope </a:t>
+              <a:t>Slope </a:t>
             </a:r>
             <a:endParaRPr lang="en-US" baseline="30000" dirty="0"/>
           </a:p>
@@ -2255,7 +2271,18 @@
             <a:pPr algn="ctr"/>
             <a:r>
               <a:rPr lang="en-US" dirty="0"/>
-              <a:t>Construct Name     Time 1 </a:t>
+              <a:t>  </a:t>
+            </a:r>
+          </a:p>
+          <a:p>
+            <a:pPr algn="ctr"/>
+            <a:endParaRPr lang="en-US" dirty="0"/>
+          </a:p>
+          <a:p>
+            <a:pPr algn="ctr"/>
+            <a:r>
+              <a:rPr lang="en-US" dirty="0"/>
+              <a:t>Time 1 </a:t>
             </a:r>
             <a:endParaRPr lang="en-US" baseline="30000" dirty="0"/>
           </a:p>
@@ -2301,130 +2328,125 @@
           <a:lstStyle/>
           <a:p>
             <a:pPr algn="ctr"/>
+            <a:endParaRPr lang="en-US" dirty="0"/>
+          </a:p>
+          <a:p>
+            <a:pPr algn="ctr"/>
+            <a:endParaRPr lang="en-US" dirty="0"/>
+          </a:p>
+          <a:p>
+            <a:pPr algn="ctr"/>
             <a:r>
               <a:rPr lang="en-US" dirty="0"/>
-              <a:t>Construct Name     Time 2</a:t>
+              <a:t>Time 2</a:t>
             </a:r>
             <a:endParaRPr lang="en-US" baseline="30000" dirty="0"/>
           </a:p>
         </p:txBody>
       </p:sp>
-      <p:grpSp>
-        <p:nvGrpSpPr>
-          <p:cNvPr id="25" name="Group 24">
+      <p:cxnSp>
+        <p:nvCxnSpPr>
+          <p:cNvPr id="131" name="Straight Connector 130">
             <a:extLst>
               <a:ext uri="{FF2B5EF4-FFF2-40B4-BE49-F238E27FC236}">
-                <a16:creationId xmlns:a16="http://schemas.microsoft.com/office/drawing/2014/main" id="{4AA068A3-93C2-45ED-88B2-9FCF7E8B4B71}"/>
+                <a16:creationId xmlns:a16="http://schemas.microsoft.com/office/drawing/2014/main" id="{B424D36E-DED1-4C1B-8723-E8F0C2640A20}"/>
               </a:ext>
             </a:extLst>
           </p:cNvPr>
-          <p:cNvGrpSpPr/>
-          <p:nvPr/>
-        </p:nvGrpSpPr>
-        <p:grpSpPr>
+          <p:cNvCxnSpPr>
+            <a:cxnSpLocks/>
+          </p:cNvCxnSpPr>
+          <p:nvPr/>
+        </p:nvCxnSpPr>
+        <p:spPr>
+          <a:xfrm>
+            <a:off x="11767075" y="5535219"/>
+            <a:ext cx="351863" cy="0"/>
+          </a:xfrm>
+          <a:prstGeom prst="line">
+            <a:avLst/>
+          </a:prstGeom>
+          <a:ln w="57150" cap="flat" cmpd="sng" algn="ctr">
+            <a:solidFill>
+              <a:schemeClr val="dk1"/>
+            </a:solidFill>
+            <a:prstDash val="sysDot"/>
+            <a:round/>
+            <a:headEnd type="none" w="med" len="med"/>
+            <a:tailEnd type="none" w="med" len="med"/>
+          </a:ln>
+        </p:spPr>
+        <p:style>
+          <a:lnRef idx="0">
+            <a:scrgbClr r="0" g="0" b="0"/>
+          </a:lnRef>
+          <a:fillRef idx="0">
+            <a:scrgbClr r="0" g="0" b="0"/>
+          </a:fillRef>
+          <a:effectRef idx="0">
+            <a:scrgbClr r="0" g="0" b="0"/>
+          </a:effectRef>
+          <a:fontRef idx="minor">
+            <a:schemeClr val="tx1"/>
+          </a:fontRef>
+        </p:style>
+      </p:cxnSp>
+      <p:sp>
+        <p:nvSpPr>
+          <p:cNvPr id="53" name="Oval 52">
+            <a:extLst>
+              <a:ext uri="{FF2B5EF4-FFF2-40B4-BE49-F238E27FC236}">
+                <a16:creationId xmlns:a16="http://schemas.microsoft.com/office/drawing/2014/main" id="{3B445490-23F4-48D3-9D75-F3566C7BFA7D}"/>
+              </a:ext>
+            </a:extLst>
+          </p:cNvPr>
+          <p:cNvSpPr/>
+          <p:nvPr/>
+        </p:nvSpPr>
+        <p:spPr>
           <a:xfrm>
             <a:off x="10043053" y="4977135"/>
-            <a:ext cx="2075885" cy="1148001"/>
-            <a:chOff x="9933707" y="3867805"/>
-            <a:chExt cx="2075885" cy="1148001"/>
-          </a:xfrm>
-        </p:grpSpPr>
-        <p:cxnSp>
-          <p:nvCxnSpPr>
-            <p:cNvPr id="131" name="Straight Connector 130">
-              <a:extLst>
-                <a:ext uri="{FF2B5EF4-FFF2-40B4-BE49-F238E27FC236}">
-                  <a16:creationId xmlns:a16="http://schemas.microsoft.com/office/drawing/2014/main" id="{B424D36E-DED1-4C1B-8723-E8F0C2640A20}"/>
-                </a:ext>
-              </a:extLst>
-            </p:cNvPr>
-            <p:cNvCxnSpPr>
-              <a:cxnSpLocks/>
-            </p:cNvCxnSpPr>
-            <p:nvPr/>
-          </p:nvCxnSpPr>
-          <p:spPr>
-            <a:xfrm>
-              <a:off x="11657729" y="4425889"/>
-              <a:ext cx="351863" cy="0"/>
-            </a:xfrm>
-            <a:prstGeom prst="line">
-              <a:avLst/>
-            </a:prstGeom>
-            <a:ln w="57150" cap="flat" cmpd="sng" algn="ctr">
-              <a:solidFill>
-                <a:schemeClr val="dk1"/>
-              </a:solidFill>
-              <a:prstDash val="sysDot"/>
-              <a:round/>
-              <a:headEnd type="none" w="med" len="med"/>
-              <a:tailEnd type="none" w="med" len="med"/>
-            </a:ln>
-          </p:spPr>
-          <p:style>
-            <a:lnRef idx="0">
-              <a:scrgbClr r="0" g="0" b="0"/>
-            </a:lnRef>
-            <a:fillRef idx="0">
-              <a:scrgbClr r="0" g="0" b="0"/>
-            </a:fillRef>
-            <a:effectRef idx="0">
-              <a:scrgbClr r="0" g="0" b="0"/>
-            </a:effectRef>
-            <a:fontRef idx="minor">
-              <a:schemeClr val="tx1"/>
-            </a:fontRef>
-          </p:style>
-        </p:cxnSp>
-        <p:sp>
-          <p:nvSpPr>
-            <p:cNvPr id="53" name="Oval 52">
-              <a:extLst>
-                <a:ext uri="{FF2B5EF4-FFF2-40B4-BE49-F238E27FC236}">
-                  <a16:creationId xmlns:a16="http://schemas.microsoft.com/office/drawing/2014/main" id="{3B445490-23F4-48D3-9D75-F3566C7BFA7D}"/>
-                </a:ext>
-              </a:extLst>
-            </p:cNvPr>
-            <p:cNvSpPr/>
-            <p:nvPr/>
-          </p:nvSpPr>
-          <p:spPr>
-            <a:xfrm>
-              <a:off x="9933707" y="3867805"/>
-              <a:ext cx="1710907" cy="1148001"/>
-            </a:xfrm>
-            <a:prstGeom prst="ellipse">
-              <a:avLst/>
-            </a:prstGeom>
-          </p:spPr>
-          <p:style>
-            <a:lnRef idx="2">
-              <a:schemeClr val="dk1"/>
-            </a:lnRef>
-            <a:fillRef idx="1">
-              <a:schemeClr val="lt1"/>
-            </a:fillRef>
-            <a:effectRef idx="0">
-              <a:schemeClr val="dk1"/>
-            </a:effectRef>
-            <a:fontRef idx="minor">
-              <a:schemeClr val="dk1"/>
-            </a:fontRef>
-          </p:style>
-          <p:txBody>
-            <a:bodyPr rtlCol="0" anchor="ctr"/>
-            <a:lstStyle/>
-            <a:p>
-              <a:pPr algn="ctr"/>
-              <a:r>
-                <a:rPr lang="en-US" dirty="0"/>
-                <a:t>Construct Name     Time 3 </a:t>
-              </a:r>
-              <a:endParaRPr lang="en-US" baseline="30000" dirty="0"/>
-            </a:p>
-          </p:txBody>
-        </p:sp>
-      </p:grpSp>
+            <a:ext cx="1710907" cy="1148001"/>
+          </a:xfrm>
+          <a:prstGeom prst="ellipse">
+            <a:avLst/>
+          </a:prstGeom>
+        </p:spPr>
+        <p:style>
+          <a:lnRef idx="2">
+            <a:schemeClr val="dk1"/>
+          </a:lnRef>
+          <a:fillRef idx="1">
+            <a:schemeClr val="lt1"/>
+          </a:fillRef>
+          <a:effectRef idx="0">
+            <a:schemeClr val="dk1"/>
+          </a:effectRef>
+          <a:fontRef idx="minor">
+            <a:schemeClr val="dk1"/>
+          </a:fontRef>
+        </p:style>
+        <p:txBody>
+          <a:bodyPr rtlCol="0" anchor="ctr"/>
+          <a:lstStyle/>
+          <a:p>
+            <a:pPr algn="ctr"/>
+            <a:endParaRPr lang="en-US" dirty="0"/>
+          </a:p>
+          <a:p>
+            <a:pPr algn="ctr"/>
+            <a:endParaRPr lang="en-US" dirty="0"/>
+          </a:p>
+          <a:p>
+            <a:pPr algn="ctr"/>
+            <a:r>
+              <a:rPr lang="en-US" dirty="0"/>
+              <a:t>Time 3 </a:t>
+            </a:r>
+            <a:endParaRPr lang="en-US" baseline="30000" dirty="0"/>
+          </a:p>
+        </p:txBody>
+      </p:sp>
       <p:cxnSp>
         <p:nvCxnSpPr>
           <p:cNvPr id="90" name="Straight Arrow Connector 254">
@@ -2525,7 +2547,7 @@
         </p:nvSpPr>
         <p:spPr>
           <a:xfrm>
-            <a:off x="3969344" y="2380028"/>
+            <a:off x="3969520" y="2379470"/>
             <a:ext cx="1710907" cy="1148001"/>
           </a:xfrm>
           <a:prstGeom prst="ellipse">
@@ -2551,16 +2573,17 @@
           <a:lstStyle/>
           <a:p>
             <a:pPr algn="ctr"/>
-            <a:r>
-              <a:rPr lang="en-US" dirty="0">
-                <a:latin typeface="Symbol" panose="05050102010706020507" pitchFamily="18" charset="2"/>
-                <a:cs typeface="Sakkal Majalla" panose="02000000000000000000" pitchFamily="2" charset="-78"/>
-              </a:rPr>
-              <a:t>D </a:t>
-            </a:r>
+            <a:endParaRPr lang="en-US" dirty="0"/>
+          </a:p>
+          <a:p>
+            <a:pPr algn="ctr"/>
+            <a:endParaRPr lang="en-US" dirty="0"/>
+          </a:p>
+          <a:p>
+            <a:pPr algn="ctr"/>
             <a:r>
               <a:rPr lang="en-US" dirty="0"/>
-              <a:t>Construct Name           (T1-T0)</a:t>
+              <a:t>(T1-T0)</a:t>
             </a:r>
           </a:p>
         </p:txBody>
@@ -2605,16 +2628,17 @@
           <a:lstStyle/>
           <a:p>
             <a:pPr algn="ctr"/>
-            <a:r>
-              <a:rPr lang="en-US" dirty="0">
-                <a:latin typeface="Symbol" panose="05050102010706020507" pitchFamily="18" charset="2"/>
-                <a:cs typeface="Sakkal Majalla" panose="02000000000000000000" pitchFamily="2" charset="-78"/>
-              </a:rPr>
-              <a:t>D </a:t>
-            </a:r>
+            <a:endParaRPr lang="en-US" dirty="0"/>
+          </a:p>
+          <a:p>
+            <a:pPr algn="ctr"/>
+            <a:endParaRPr lang="en-US" dirty="0"/>
+          </a:p>
+          <a:p>
+            <a:pPr algn="ctr"/>
             <a:r>
               <a:rPr lang="en-US" dirty="0"/>
-              <a:t>Construct Name           (T2-T1)</a:t>
+              <a:t>(T2-T1)</a:t>
             </a:r>
           </a:p>
         </p:txBody>
@@ -2638,7 +2662,7 @@
         <p:spPr>
           <a:xfrm>
             <a:off x="2804070" y="1225762"/>
-            <a:ext cx="2020728" cy="1154266"/>
+            <a:ext cx="2020904" cy="1153708"/>
           </a:xfrm>
           <a:prstGeom prst="straightConnector1">
             <a:avLst/>
@@ -2766,8 +2790,8 @@
         </p:nvCxnSpPr>
         <p:spPr>
           <a:xfrm flipV="1">
-            <a:off x="2464803" y="3359908"/>
-            <a:ext cx="1755098" cy="1785349"/>
+            <a:off x="2464803" y="3359350"/>
+            <a:ext cx="1755274" cy="1785907"/>
           </a:xfrm>
           <a:prstGeom prst="straightConnector1">
             <a:avLst/>
@@ -2895,8 +2919,8 @@
         </p:nvCxnSpPr>
         <p:spPr>
           <a:xfrm flipV="1">
-            <a:off x="4822350" y="3528029"/>
-            <a:ext cx="2448" cy="1449106"/>
+            <a:off x="4822350" y="3527471"/>
+            <a:ext cx="2624" cy="1449664"/>
           </a:xfrm>
           <a:prstGeom prst="straightConnector1">
             <a:avLst/>
@@ -3414,11 +3438,27 @@
           <a:lstStyle/>
           <a:p>
             <a:pPr algn="ctr"/>
+            <a:endParaRPr lang="en-US" sz="2000" dirty="0"/>
+          </a:p>
+          <a:p>
+            <a:pPr algn="ctr"/>
+            <a:endParaRPr lang="en-US" sz="2000" dirty="0"/>
+          </a:p>
+          <a:p>
+            <a:pPr algn="ctr"/>
             <a:r>
               <a:rPr lang="en-US" dirty="0"/>
-              <a:t>Construct Name     Intercept </a:t>
+              <a:t>Intercept</a:t>
             </a:r>
-            <a:endParaRPr lang="en-US" baseline="30000" dirty="0"/>
+            <a:r>
+              <a:rPr lang="en-US" sz="2000" dirty="0"/>
+              <a:t> </a:t>
+            </a:r>
+            <a:endParaRPr lang="en-US" sz="2000" baseline="30000" dirty="0"/>
+          </a:p>
+          <a:p>
+            <a:pPr algn="ctr"/>
+            <a:endParaRPr lang="en-US" sz="2000" baseline="30000" dirty="0"/>
           </a:p>
         </p:txBody>
       </p:sp>
@@ -3505,16 +3545,17 @@
           <a:lstStyle/>
           <a:p>
             <a:pPr algn="ctr"/>
-            <a:r>
-              <a:rPr lang="en-US" dirty="0">
-                <a:latin typeface="Symbol" panose="05050102010706020507" pitchFamily="18" charset="2"/>
-                <a:cs typeface="Sakkal Majalla" panose="02000000000000000000" pitchFamily="2" charset="-78"/>
-              </a:rPr>
-              <a:t>D </a:t>
-            </a:r>
+            <a:endParaRPr lang="en-US" dirty="0"/>
+          </a:p>
+          <a:p>
+            <a:pPr algn="ctr"/>
+            <a:endParaRPr lang="en-US" dirty="0"/>
+          </a:p>
+          <a:p>
+            <a:pPr algn="ctr"/>
             <a:r>
               <a:rPr lang="en-US" dirty="0"/>
-              <a:t>Construct Name           (T3-T2)</a:t>
+              <a:t>(T3-T2)</a:t>
             </a:r>
           </a:p>
         </p:txBody>
@@ -3536,7 +3577,7 @@
         <p:spPr>
           <a:xfrm>
             <a:off x="6373384" y="4141131"/>
-            <a:ext cx="577605" cy="369332"/>
+            <a:ext cx="1314678" cy="369332"/>
           </a:xfrm>
           <a:prstGeom prst="rect">
             <a:avLst/>
@@ -3580,7 +3621,7 @@
         <p:spPr>
           <a:xfrm>
             <a:off x="9448836" y="4085644"/>
-            <a:ext cx="577605" cy="369332"/>
+            <a:ext cx="1423716" cy="369332"/>
           </a:xfrm>
           <a:prstGeom prst="rect">
             <a:avLst/>
@@ -3623,8 +3664,8 @@
         </p:nvSpPr>
         <p:spPr>
           <a:xfrm>
-            <a:off x="0" y="3653896"/>
-            <a:ext cx="1117657" cy="369332"/>
+            <a:off x="-271314" y="3653896"/>
+            <a:ext cx="1388972" cy="369332"/>
           </a:xfrm>
           <a:prstGeom prst="rect">
             <a:avLst/>
@@ -3670,8 +3711,8 @@
         </p:nvSpPr>
         <p:spPr>
           <a:xfrm>
-            <a:off x="175511" y="460829"/>
-            <a:ext cx="1117657" cy="369332"/>
+            <a:off x="-186431" y="460829"/>
+            <a:ext cx="1479599" cy="369332"/>
           </a:xfrm>
           <a:prstGeom prst="rect">
             <a:avLst/>
@@ -3698,6 +3739,348 @@
             <a:endParaRPr lang="en-US" baseline="30000" dirty="0">
               <a:latin typeface="+mj-lt"/>
             </a:endParaRPr>
+          </a:p>
+        </p:txBody>
+      </p:sp>
+      <p:sp>
+        <p:nvSpPr>
+          <p:cNvPr id="10" name="TextBox 9">
+            <a:extLst>
+              <a:ext uri="{FF2B5EF4-FFF2-40B4-BE49-F238E27FC236}">
+                <a16:creationId xmlns:a16="http://schemas.microsoft.com/office/drawing/2014/main" id="{CE964543-9BC6-468F-BF7A-7E9655D7798E}"/>
+              </a:ext>
+            </a:extLst>
+          </p:cNvPr>
+          <p:cNvSpPr txBox="1"/>
+          <p:nvPr/>
+        </p:nvSpPr>
+        <p:spPr>
+          <a:xfrm>
+            <a:off x="763306" y="3019438"/>
+            <a:ext cx="2171592" cy="369332"/>
+          </a:xfrm>
+          <a:prstGeom prst="rect">
+            <a:avLst/>
+          </a:prstGeom>
+          <a:noFill/>
+        </p:spPr>
+        <p:txBody>
+          <a:bodyPr wrap="square" rtlCol="0">
+            <a:spAutoFit/>
+          </a:bodyPr>
+          <a:lstStyle/>
+          <a:p>
+            <a:pPr algn="ctr"/>
+            <a:r>
+              <a:rPr lang="en-US" dirty="0"/>
+              <a:t>Construct Name</a:t>
+            </a:r>
+          </a:p>
+        </p:txBody>
+      </p:sp>
+      <p:sp>
+        <p:nvSpPr>
+          <p:cNvPr id="62" name="TextBox 61">
+            <a:extLst>
+              <a:ext uri="{FF2B5EF4-FFF2-40B4-BE49-F238E27FC236}">
+                <a16:creationId xmlns:a16="http://schemas.microsoft.com/office/drawing/2014/main" id="{C81597D5-C6AB-48DC-B5A1-417EC3E17252}"/>
+              </a:ext>
+            </a:extLst>
+          </p:cNvPr>
+          <p:cNvSpPr txBox="1"/>
+          <p:nvPr/>
+        </p:nvSpPr>
+        <p:spPr>
+          <a:xfrm>
+            <a:off x="871179" y="969472"/>
+            <a:ext cx="2171592" cy="369332"/>
+          </a:xfrm>
+          <a:prstGeom prst="rect">
+            <a:avLst/>
+          </a:prstGeom>
+          <a:noFill/>
+        </p:spPr>
+        <p:txBody>
+          <a:bodyPr wrap="square" rtlCol="0">
+            <a:spAutoFit/>
+          </a:bodyPr>
+          <a:lstStyle/>
+          <a:p>
+            <a:pPr algn="ctr"/>
+            <a:r>
+              <a:rPr lang="en-US" dirty="0"/>
+              <a:t>Construct Name</a:t>
+            </a:r>
+          </a:p>
+        </p:txBody>
+      </p:sp>
+      <p:sp>
+        <p:nvSpPr>
+          <p:cNvPr id="71" name="TextBox 70">
+            <a:extLst>
+              <a:ext uri="{FF2B5EF4-FFF2-40B4-BE49-F238E27FC236}">
+                <a16:creationId xmlns:a16="http://schemas.microsoft.com/office/drawing/2014/main" id="{C87E8A8E-379F-4779-A40D-29F6BF47F5C9}"/>
+              </a:ext>
+            </a:extLst>
+          </p:cNvPr>
+          <p:cNvSpPr txBox="1"/>
+          <p:nvPr/>
+        </p:nvSpPr>
+        <p:spPr>
+          <a:xfrm>
+            <a:off x="776475" y="5303568"/>
+            <a:ext cx="2171592" cy="369332"/>
+          </a:xfrm>
+          <a:prstGeom prst="rect">
+            <a:avLst/>
+          </a:prstGeom>
+          <a:noFill/>
+        </p:spPr>
+        <p:txBody>
+          <a:bodyPr wrap="square" rtlCol="0">
+            <a:spAutoFit/>
+          </a:bodyPr>
+          <a:lstStyle/>
+          <a:p>
+            <a:pPr algn="ctr"/>
+            <a:r>
+              <a:rPr lang="en-US" dirty="0"/>
+              <a:t>Construct Name</a:t>
+            </a:r>
+          </a:p>
+        </p:txBody>
+      </p:sp>
+      <p:sp>
+        <p:nvSpPr>
+          <p:cNvPr id="72" name="TextBox 71">
+            <a:extLst>
+              <a:ext uri="{FF2B5EF4-FFF2-40B4-BE49-F238E27FC236}">
+                <a16:creationId xmlns:a16="http://schemas.microsoft.com/office/drawing/2014/main" id="{FDA09055-C314-4617-A078-36AB7D7B6DEE}"/>
+              </a:ext>
+            </a:extLst>
+          </p:cNvPr>
+          <p:cNvSpPr txBox="1"/>
+          <p:nvPr/>
+        </p:nvSpPr>
+        <p:spPr>
+          <a:xfrm>
+            <a:off x="3758814" y="5303568"/>
+            <a:ext cx="2171592" cy="369332"/>
+          </a:xfrm>
+          <a:prstGeom prst="rect">
+            <a:avLst/>
+          </a:prstGeom>
+          <a:noFill/>
+        </p:spPr>
+        <p:txBody>
+          <a:bodyPr wrap="square" rtlCol="0">
+            <a:spAutoFit/>
+          </a:bodyPr>
+          <a:lstStyle/>
+          <a:p>
+            <a:pPr algn="ctr"/>
+            <a:r>
+              <a:rPr lang="en-US" dirty="0"/>
+              <a:t>Construct Name</a:t>
+            </a:r>
+          </a:p>
+        </p:txBody>
+      </p:sp>
+      <p:sp>
+        <p:nvSpPr>
+          <p:cNvPr id="73" name="TextBox 72">
+            <a:extLst>
+              <a:ext uri="{FF2B5EF4-FFF2-40B4-BE49-F238E27FC236}">
+                <a16:creationId xmlns:a16="http://schemas.microsoft.com/office/drawing/2014/main" id="{B82407EF-8FD3-4160-8144-734BC4296FB0}"/>
+              </a:ext>
+            </a:extLst>
+          </p:cNvPr>
+          <p:cNvSpPr txBox="1"/>
+          <p:nvPr/>
+        </p:nvSpPr>
+        <p:spPr>
+          <a:xfrm>
+            <a:off x="6791426" y="5303568"/>
+            <a:ext cx="2171592" cy="369332"/>
+          </a:xfrm>
+          <a:prstGeom prst="rect">
+            <a:avLst/>
+          </a:prstGeom>
+          <a:noFill/>
+        </p:spPr>
+        <p:txBody>
+          <a:bodyPr wrap="square" rtlCol="0">
+            <a:spAutoFit/>
+          </a:bodyPr>
+          <a:lstStyle/>
+          <a:p>
+            <a:pPr algn="ctr"/>
+            <a:r>
+              <a:rPr lang="en-US" dirty="0"/>
+              <a:t>Construct Name</a:t>
+            </a:r>
+          </a:p>
+        </p:txBody>
+      </p:sp>
+      <p:sp>
+        <p:nvSpPr>
+          <p:cNvPr id="74" name="TextBox 73">
+            <a:extLst>
+              <a:ext uri="{FF2B5EF4-FFF2-40B4-BE49-F238E27FC236}">
+                <a16:creationId xmlns:a16="http://schemas.microsoft.com/office/drawing/2014/main" id="{2CEA0FBF-6500-429B-A57E-D5AB87CE0587}"/>
+              </a:ext>
+            </a:extLst>
+          </p:cNvPr>
+          <p:cNvSpPr txBox="1"/>
+          <p:nvPr/>
+        </p:nvSpPr>
+        <p:spPr>
+          <a:xfrm>
+            <a:off x="9821773" y="5307956"/>
+            <a:ext cx="2171592" cy="369332"/>
+          </a:xfrm>
+          <a:prstGeom prst="rect">
+            <a:avLst/>
+          </a:prstGeom>
+          <a:noFill/>
+        </p:spPr>
+        <p:txBody>
+          <a:bodyPr wrap="square" rtlCol="0">
+            <a:spAutoFit/>
+          </a:bodyPr>
+          <a:lstStyle/>
+          <a:p>
+            <a:pPr algn="ctr"/>
+            <a:r>
+              <a:rPr lang="en-US" dirty="0"/>
+              <a:t>Construct Name</a:t>
+            </a:r>
+          </a:p>
+        </p:txBody>
+      </p:sp>
+      <p:sp>
+        <p:nvSpPr>
+          <p:cNvPr id="86" name="TextBox 85">
+            <a:extLst>
+              <a:ext uri="{FF2B5EF4-FFF2-40B4-BE49-F238E27FC236}">
+                <a16:creationId xmlns:a16="http://schemas.microsoft.com/office/drawing/2014/main" id="{FC0DB5E8-6FD7-461D-B5F7-3D1ED7F879BC}"/>
+              </a:ext>
+            </a:extLst>
+          </p:cNvPr>
+          <p:cNvSpPr txBox="1"/>
+          <p:nvPr/>
+        </p:nvSpPr>
+        <p:spPr>
+          <a:xfrm>
+            <a:off x="3741058" y="2719306"/>
+            <a:ext cx="2171592" cy="369332"/>
+          </a:xfrm>
+          <a:prstGeom prst="rect">
+            <a:avLst/>
+          </a:prstGeom>
+          <a:noFill/>
+        </p:spPr>
+        <p:txBody>
+          <a:bodyPr wrap="square" rtlCol="0">
+            <a:spAutoFit/>
+          </a:bodyPr>
+          <a:lstStyle/>
+          <a:p>
+            <a:pPr algn="ctr"/>
+            <a:r>
+              <a:rPr lang="en-US" dirty="0">
+                <a:latin typeface="Symbol" panose="05050102010706020507" pitchFamily="18" charset="2"/>
+              </a:rPr>
+              <a:t>D </a:t>
+            </a:r>
+            <a:r>
+              <a:rPr lang="en-US" dirty="0"/>
+              <a:t>Construct Name</a:t>
+            </a:r>
+          </a:p>
+        </p:txBody>
+      </p:sp>
+      <p:sp>
+        <p:nvSpPr>
+          <p:cNvPr id="87" name="TextBox 86">
+            <a:extLst>
+              <a:ext uri="{FF2B5EF4-FFF2-40B4-BE49-F238E27FC236}">
+                <a16:creationId xmlns:a16="http://schemas.microsoft.com/office/drawing/2014/main" id="{644C6183-3656-4520-86B1-BC720C23409A}"/>
+              </a:ext>
+            </a:extLst>
+          </p:cNvPr>
+          <p:cNvSpPr txBox="1"/>
+          <p:nvPr/>
+        </p:nvSpPr>
+        <p:spPr>
+          <a:xfrm>
+            <a:off x="6779321" y="2748983"/>
+            <a:ext cx="2171592" cy="369332"/>
+          </a:xfrm>
+          <a:prstGeom prst="rect">
+            <a:avLst/>
+          </a:prstGeom>
+          <a:noFill/>
+        </p:spPr>
+        <p:txBody>
+          <a:bodyPr wrap="square" rtlCol="0">
+            <a:spAutoFit/>
+          </a:bodyPr>
+          <a:lstStyle/>
+          <a:p>
+            <a:pPr algn="ctr"/>
+            <a:r>
+              <a:rPr lang="en-US" dirty="0">
+                <a:latin typeface="Symbol" panose="05050102010706020507" pitchFamily="18" charset="2"/>
+              </a:rPr>
+              <a:t>D </a:t>
+            </a:r>
+            <a:r>
+              <a:rPr lang="en-US" dirty="0"/>
+              <a:t>Construct Name</a:t>
+            </a:r>
+          </a:p>
+        </p:txBody>
+      </p:sp>
+      <p:sp>
+        <p:nvSpPr>
+          <p:cNvPr id="88" name="TextBox 87">
+            <a:extLst>
+              <a:ext uri="{FF2B5EF4-FFF2-40B4-BE49-F238E27FC236}">
+                <a16:creationId xmlns:a16="http://schemas.microsoft.com/office/drawing/2014/main" id="{6FEF3A7A-E0ED-4201-86A7-6634C691CC93}"/>
+              </a:ext>
+            </a:extLst>
+          </p:cNvPr>
+          <p:cNvSpPr txBox="1"/>
+          <p:nvPr/>
+        </p:nvSpPr>
+        <p:spPr>
+          <a:xfrm>
+            <a:off x="9811900" y="2782256"/>
+            <a:ext cx="2171592" cy="369332"/>
+          </a:xfrm>
+          <a:prstGeom prst="rect">
+            <a:avLst/>
+          </a:prstGeom>
+          <a:noFill/>
+        </p:spPr>
+        <p:txBody>
+          <a:bodyPr wrap="square" rtlCol="0">
+            <a:spAutoFit/>
+          </a:bodyPr>
+          <a:lstStyle/>
+          <a:p>
+            <a:pPr algn="ctr"/>
+            <a:r>
+              <a:rPr lang="en-US" dirty="0">
+                <a:latin typeface="Symbol" panose="05050102010706020507" pitchFamily="18" charset="2"/>
+              </a:rPr>
+              <a:t>D </a:t>
+            </a:r>
+            <a:r>
+              <a:rPr lang="en-US" dirty="0"/>
+              <a:t>Construct Name</a:t>
+            </a:r>
           </a:p>
         </p:txBody>
       </p:sp>

--- a/Univariate Model 2.pptx
+++ b/Univariate Model 2.pptx
@@ -2175,10 +2175,6 @@
           </a:p>
           <a:p>
             <a:pPr algn="ctr"/>
-            <a:r>
-              <a:rPr lang="en-US" dirty="0"/>
-              <a:t>Slope </a:t>
-            </a:r>
             <a:endParaRPr lang="en-US" baseline="30000" dirty="0"/>
           </a:p>
         </p:txBody>
@@ -3447,10 +3443,6 @@
           <a:p>
             <a:pPr algn="ctr"/>
             <a:r>
-              <a:rPr lang="en-US" dirty="0"/>
-              <a:t>Intercept</a:t>
-            </a:r>
-            <a:r>
               <a:rPr lang="en-US" sz="2000" dirty="0"/>
               <a:t> </a:t>
             </a:r>
@@ -3650,100 +3642,6 @@
       </p:sp>
       <p:sp>
         <p:nvSpPr>
-          <p:cNvPr id="200" name="TextBox 319">
-            <a:extLst>
-              <a:ext uri="{FF2B5EF4-FFF2-40B4-BE49-F238E27FC236}">
-                <a16:creationId xmlns:a16="http://schemas.microsoft.com/office/drawing/2014/main" id="{0658F324-DA1E-4F9E-AB01-7FA076DE7920}"/>
-              </a:ext>
-            </a:extLst>
-          </p:cNvPr>
-          <p:cNvSpPr txBox="1">
-            <a:spLocks noChangeAspect="1"/>
-          </p:cNvSpPr>
-          <p:nvPr/>
-        </p:nvSpPr>
-        <p:spPr>
-          <a:xfrm>
-            <a:off x="-271314" y="3653896"/>
-            <a:ext cx="1388972" cy="369332"/>
-          </a:xfrm>
-          <a:prstGeom prst="rect">
-            <a:avLst/>
-          </a:prstGeom>
-          <a:noFill/>
-          <a:ln w="28575">
-            <a:noFill/>
-          </a:ln>
-        </p:spPr>
-        <p:txBody>
-          <a:bodyPr wrap="square" rtlCol="0">
-            <a:spAutoFit/>
-          </a:bodyPr>
-          <a:lstStyle/>
-          <a:p>
-            <a:pPr algn="r"/>
-            <a:r>
-              <a:rPr lang="en-US" dirty="0">
-                <a:latin typeface="+mj-lt"/>
-                <a:cs typeface="Times New Roman" panose="02020603050405020304" pitchFamily="18" charset="0"/>
-              </a:rPr>
-              <a:t>I-Mean</a:t>
-            </a:r>
-            <a:endParaRPr lang="en-US" baseline="30000" dirty="0">
-              <a:latin typeface="+mj-lt"/>
-            </a:endParaRPr>
-          </a:p>
-        </p:txBody>
-      </p:sp>
-      <p:sp>
-        <p:nvSpPr>
-          <p:cNvPr id="202" name="TextBox 319">
-            <a:extLst>
-              <a:ext uri="{FF2B5EF4-FFF2-40B4-BE49-F238E27FC236}">
-                <a16:creationId xmlns:a16="http://schemas.microsoft.com/office/drawing/2014/main" id="{BDCEBC75-D284-4DC9-9B21-76BDD1668D2C}"/>
-              </a:ext>
-            </a:extLst>
-          </p:cNvPr>
-          <p:cNvSpPr txBox="1">
-            <a:spLocks noChangeAspect="1"/>
-          </p:cNvSpPr>
-          <p:nvPr/>
-        </p:nvSpPr>
-        <p:spPr>
-          <a:xfrm>
-            <a:off x="-186431" y="460829"/>
-            <a:ext cx="1479599" cy="369332"/>
-          </a:xfrm>
-          <a:prstGeom prst="rect">
-            <a:avLst/>
-          </a:prstGeom>
-          <a:noFill/>
-          <a:ln w="28575">
-            <a:noFill/>
-          </a:ln>
-        </p:spPr>
-        <p:txBody>
-          <a:bodyPr wrap="square" rtlCol="0">
-            <a:spAutoFit/>
-          </a:bodyPr>
-          <a:lstStyle/>
-          <a:p>
-            <a:pPr algn="r"/>
-            <a:r>
-              <a:rPr lang="en-US" dirty="0">
-                <a:latin typeface="+mj-lt"/>
-                <a:cs typeface="Times New Roman" panose="02020603050405020304" pitchFamily="18" charset="0"/>
-              </a:rPr>
-              <a:t>S-Mean</a:t>
-            </a:r>
-            <a:endParaRPr lang="en-US" baseline="30000" dirty="0">
-              <a:latin typeface="+mj-lt"/>
-            </a:endParaRPr>
-          </a:p>
-        </p:txBody>
-      </p:sp>
-      <p:sp>
-        <p:nvSpPr>
           <p:cNvPr id="10" name="TextBox 9">
             <a:extLst>
               <a:ext uri="{FF2B5EF4-FFF2-40B4-BE49-F238E27FC236}">
@@ -3756,7 +3654,7 @@
         </p:nvSpPr>
         <p:spPr>
           <a:xfrm>
-            <a:off x="763306" y="3019438"/>
+            <a:off x="751916" y="2983776"/>
             <a:ext cx="2171592" cy="369332"/>
           </a:xfrm>
           <a:prstGeom prst="rect">
@@ -3792,7 +3690,7 @@
         </p:nvSpPr>
         <p:spPr>
           <a:xfrm>
-            <a:off x="871179" y="969472"/>
+            <a:off x="862820" y="837041"/>
             <a:ext cx="2171592" cy="369332"/>
           </a:xfrm>
           <a:prstGeom prst="rect">
@@ -4080,6 +3978,150 @@
             <a:r>
               <a:rPr lang="en-US" dirty="0"/>
               <a:t>Construct Name</a:t>
+            </a:r>
+          </a:p>
+        </p:txBody>
+      </p:sp>
+      <p:sp>
+        <p:nvSpPr>
+          <p:cNvPr id="63" name="TextBox 62">
+            <a:extLst>
+              <a:ext uri="{FF2B5EF4-FFF2-40B4-BE49-F238E27FC236}">
+                <a16:creationId xmlns:a16="http://schemas.microsoft.com/office/drawing/2014/main" id="{2DE9053A-D00E-4054-B646-88F51A218329}"/>
+              </a:ext>
+            </a:extLst>
+          </p:cNvPr>
+          <p:cNvSpPr txBox="1"/>
+          <p:nvPr/>
+        </p:nvSpPr>
+        <p:spPr>
+          <a:xfrm>
+            <a:off x="825170" y="1082147"/>
+            <a:ext cx="2171592" cy="369332"/>
+          </a:xfrm>
+          <a:prstGeom prst="rect">
+            <a:avLst/>
+          </a:prstGeom>
+          <a:noFill/>
+        </p:spPr>
+        <p:txBody>
+          <a:bodyPr wrap="square" rtlCol="0">
+            <a:spAutoFit/>
+          </a:bodyPr>
+          <a:lstStyle/>
+          <a:p>
+            <a:pPr algn="ctr"/>
+            <a:r>
+              <a:rPr lang="en-US" dirty="0"/>
+              <a:t>Slope</a:t>
+            </a:r>
+          </a:p>
+        </p:txBody>
+      </p:sp>
+      <p:sp>
+        <p:nvSpPr>
+          <p:cNvPr id="64" name="TextBox 63">
+            <a:extLst>
+              <a:ext uri="{FF2B5EF4-FFF2-40B4-BE49-F238E27FC236}">
+                <a16:creationId xmlns:a16="http://schemas.microsoft.com/office/drawing/2014/main" id="{89EC720A-CD10-4A56-8690-D4421F186AFA}"/>
+              </a:ext>
+            </a:extLst>
+          </p:cNvPr>
+          <p:cNvSpPr txBox="1"/>
+          <p:nvPr/>
+        </p:nvSpPr>
+        <p:spPr>
+          <a:xfrm>
+            <a:off x="825170" y="1324530"/>
+            <a:ext cx="2171592" cy="369332"/>
+          </a:xfrm>
+          <a:prstGeom prst="rect">
+            <a:avLst/>
+          </a:prstGeom>
+          <a:noFill/>
+        </p:spPr>
+        <p:txBody>
+          <a:bodyPr wrap="square" rtlCol="0">
+            <a:spAutoFit/>
+          </a:bodyPr>
+          <a:lstStyle/>
+          <a:p>
+            <a:pPr algn="ctr"/>
+            <a:r>
+              <a:rPr lang="en-US" dirty="0"/>
+              <a:t>M = S-Mean</a:t>
+            </a:r>
+          </a:p>
+        </p:txBody>
+      </p:sp>
+      <p:sp>
+        <p:nvSpPr>
+          <p:cNvPr id="65" name="TextBox 64">
+            <a:extLst>
+              <a:ext uri="{FF2B5EF4-FFF2-40B4-BE49-F238E27FC236}">
+                <a16:creationId xmlns:a16="http://schemas.microsoft.com/office/drawing/2014/main" id="{89102D95-F176-496B-AB13-B822328908BB}"/>
+              </a:ext>
+            </a:extLst>
+          </p:cNvPr>
+          <p:cNvSpPr txBox="1"/>
+          <p:nvPr/>
+        </p:nvSpPr>
+        <p:spPr>
+          <a:xfrm>
+            <a:off x="763306" y="3447580"/>
+            <a:ext cx="2171592" cy="369332"/>
+          </a:xfrm>
+          <a:prstGeom prst="rect">
+            <a:avLst/>
+          </a:prstGeom>
+          <a:noFill/>
+        </p:spPr>
+        <p:txBody>
+          <a:bodyPr wrap="square" rtlCol="0">
+            <a:spAutoFit/>
+          </a:bodyPr>
+          <a:lstStyle/>
+          <a:p>
+            <a:pPr algn="ctr"/>
+            <a:r>
+              <a:rPr lang="en-US" dirty="0"/>
+              <a:t>M = I-Mean</a:t>
+            </a:r>
+          </a:p>
+        </p:txBody>
+      </p:sp>
+      <p:sp>
+        <p:nvSpPr>
+          <p:cNvPr id="66" name="TextBox 65">
+            <a:extLst>
+              <a:ext uri="{FF2B5EF4-FFF2-40B4-BE49-F238E27FC236}">
+                <a16:creationId xmlns:a16="http://schemas.microsoft.com/office/drawing/2014/main" id="{6F741B5D-90E8-497B-98C4-619085C46901}"/>
+              </a:ext>
+            </a:extLst>
+          </p:cNvPr>
+          <p:cNvSpPr txBox="1"/>
+          <p:nvPr/>
+        </p:nvSpPr>
+        <p:spPr>
+          <a:xfrm>
+            <a:off x="795912" y="3206749"/>
+            <a:ext cx="2171592" cy="369332"/>
+          </a:xfrm>
+          <a:prstGeom prst="rect">
+            <a:avLst/>
+          </a:prstGeom>
+          <a:noFill/>
+        </p:spPr>
+        <p:txBody>
+          <a:bodyPr wrap="square" rtlCol="0">
+            <a:spAutoFit/>
+          </a:bodyPr>
+          <a:lstStyle/>
+          <a:p>
+            <a:pPr algn="ctr"/>
+            <a:r>
+              <a:rPr lang="en-US" dirty="0"/>
+              <a:t>Intercept</a:t>
             </a:r>
           </a:p>
         </p:txBody>

--- a/Univariate Model 2.pptx
+++ b/Univariate Model 2.pptx
@@ -2115,10 +2115,6 @@
           </a:p>
           <a:p>
             <a:pPr algn="ctr"/>
-            <a:endParaRPr lang="en-US" dirty="0"/>
-          </a:p>
-          <a:p>
-            <a:pPr algn="ctr"/>
             <a:r>
               <a:rPr lang="en-US" dirty="0"/>
               <a:t>Time 0 </a:t>
@@ -2272,10 +2268,6 @@
           </a:p>
           <a:p>
             <a:pPr algn="ctr"/>
-            <a:endParaRPr lang="en-US" dirty="0"/>
-          </a:p>
-          <a:p>
-            <a:pPr algn="ctr"/>
             <a:r>
               <a:rPr lang="en-US" dirty="0"/>
               <a:t>Time 1 </a:t>
@@ -2322,10 +2314,6 @@
         <p:txBody>
           <a:bodyPr rtlCol="0" anchor="ctr"/>
           <a:lstStyle/>
-          <a:p>
-            <a:pPr algn="ctr"/>
-            <a:endParaRPr lang="en-US" dirty="0"/>
-          </a:p>
           <a:p>
             <a:pPr algn="ctr"/>
             <a:endParaRPr lang="en-US" dirty="0"/>
@@ -2425,10 +2413,6 @@
         <p:txBody>
           <a:bodyPr rtlCol="0" anchor="ctr"/>
           <a:lstStyle/>
-          <a:p>
-            <a:pPr algn="ctr"/>
-            <a:endParaRPr lang="en-US" dirty="0"/>
-          </a:p>
           <a:p>
             <a:pPr algn="ctr"/>
             <a:endParaRPr lang="en-US" dirty="0"/>
@@ -2573,10 +2557,6 @@
           </a:p>
           <a:p>
             <a:pPr algn="ctr"/>
-            <a:endParaRPr lang="en-US" dirty="0"/>
-          </a:p>
-          <a:p>
-            <a:pPr algn="ctr"/>
             <a:r>
               <a:rPr lang="en-US" dirty="0"/>
               <a:t>(T1-T0)</a:t>
@@ -2622,10 +2602,6 @@
         <p:txBody>
           <a:bodyPr rtlCol="0" anchor="ctr"/>
           <a:lstStyle/>
-          <a:p>
-            <a:pPr algn="ctr"/>
-            <a:endParaRPr lang="en-US" dirty="0"/>
-          </a:p>
           <a:p>
             <a:pPr algn="ctr"/>
             <a:endParaRPr lang="en-US" dirty="0"/>
@@ -3541,10 +3517,6 @@
           </a:p>
           <a:p>
             <a:pPr algn="ctr"/>
-            <a:endParaRPr lang="en-US" dirty="0"/>
-          </a:p>
-          <a:p>
-            <a:pPr algn="ctr"/>
             <a:r>
               <a:rPr lang="en-US" dirty="0"/>
               <a:t>(T3-T2)</a:t>
@@ -3654,7 +3626,7 @@
         </p:nvSpPr>
         <p:spPr>
           <a:xfrm>
-            <a:off x="751916" y="2983776"/>
+            <a:off x="779527" y="2935867"/>
             <a:ext cx="2171592" cy="369332"/>
           </a:xfrm>
           <a:prstGeom prst="rect">
@@ -3690,7 +3662,7 @@
         </p:nvSpPr>
         <p:spPr>
           <a:xfrm>
-            <a:off x="862820" y="837041"/>
+            <a:off x="862820" y="819285"/>
             <a:ext cx="2171592" cy="369332"/>
           </a:xfrm>
           <a:prstGeom prst="rect">
@@ -3726,7 +3698,7 @@
         </p:nvSpPr>
         <p:spPr>
           <a:xfrm>
-            <a:off x="776475" y="5303568"/>
+            <a:off x="776475" y="5253560"/>
             <a:ext cx="2171592" cy="369332"/>
           </a:xfrm>
           <a:prstGeom prst="rect">
@@ -3762,7 +3734,7 @@
         </p:nvSpPr>
         <p:spPr>
           <a:xfrm>
-            <a:off x="3758814" y="5303568"/>
+            <a:off x="3758814" y="5253560"/>
             <a:ext cx="2171592" cy="369332"/>
           </a:xfrm>
           <a:prstGeom prst="rect">
@@ -3798,7 +3770,7 @@
         </p:nvSpPr>
         <p:spPr>
           <a:xfrm>
-            <a:off x="6791426" y="5303568"/>
+            <a:off x="6791426" y="5253560"/>
             <a:ext cx="2171592" cy="369332"/>
           </a:xfrm>
           <a:prstGeom prst="rect">
@@ -3834,7 +3806,7 @@
         </p:nvSpPr>
         <p:spPr>
           <a:xfrm>
-            <a:off x="9821773" y="5307956"/>
+            <a:off x="9821773" y="5257948"/>
             <a:ext cx="2171592" cy="369332"/>
           </a:xfrm>
           <a:prstGeom prst="rect">
@@ -3870,7 +3842,7 @@
         </p:nvSpPr>
         <p:spPr>
           <a:xfrm>
-            <a:off x="3741058" y="2719306"/>
+            <a:off x="3739983" y="2705177"/>
             <a:ext cx="2171592" cy="369332"/>
           </a:xfrm>
           <a:prstGeom prst="rect">
@@ -3912,7 +3884,7 @@
         </p:nvSpPr>
         <p:spPr>
           <a:xfrm>
-            <a:off x="6779321" y="2748983"/>
+            <a:off x="6779321" y="2698975"/>
             <a:ext cx="2171592" cy="369332"/>
           </a:xfrm>
           <a:prstGeom prst="rect">
@@ -3954,7 +3926,7 @@
         </p:nvSpPr>
         <p:spPr>
           <a:xfrm>
-            <a:off x="9811900" y="2782256"/>
+            <a:off x="9818659" y="2710242"/>
             <a:ext cx="2171592" cy="369332"/>
           </a:xfrm>
           <a:prstGeom prst="rect">
@@ -3996,8 +3968,8 @@
         </p:nvSpPr>
         <p:spPr>
           <a:xfrm>
-            <a:off x="825170" y="1082147"/>
-            <a:ext cx="2171592" cy="369332"/>
+            <a:off x="1389103" y="1044855"/>
+            <a:ext cx="1119027" cy="369332"/>
           </a:xfrm>
           <a:prstGeom prst="rect">
             <a:avLst/>
@@ -4032,7 +4004,7 @@
         </p:nvSpPr>
         <p:spPr>
           <a:xfrm>
-            <a:off x="825170" y="1324530"/>
+            <a:off x="860682" y="1297896"/>
             <a:ext cx="2171592" cy="369332"/>
           </a:xfrm>
           <a:prstGeom prst="rect">
@@ -4104,8 +4076,8 @@
         </p:nvSpPr>
         <p:spPr>
           <a:xfrm>
-            <a:off x="795912" y="3206749"/>
-            <a:ext cx="2171592" cy="369332"/>
+            <a:off x="1326146" y="3201321"/>
+            <a:ext cx="1063117" cy="369332"/>
           </a:xfrm>
           <a:prstGeom prst="rect">
             <a:avLst/>
